--- a/database/slides/MELCHIZEDEK_ALLELUIA_(JESUS_IS_THE_LORD_OF_LIFE).pptx
+++ b/database/slides/MELCHIZEDEK_ALLELUIA_(JESUS_IS_THE_LORD_OF_LIFE).pptx
@@ -765,8 +765,13 @@
             </a:pPr>
             <a:r>
               <a:rPr lang="en-US" dirty="0"/>
-              <a:t>RECEIPPT-TAGS:ACCLAMATION</a:t>
+              <a:t>RECEIPPT-TAGS</a:t>
             </a:r>
+            <a:r>
+              <a:rPr lang="en-US"/>
+              <a:t>:ACCLAMATION,EASTER</a:t>
+            </a:r>
+            <a:endParaRPr lang="en-US" dirty="0"/>
           </a:p>
         </p:txBody>
       </p:sp>
